--- a/Usecase, ClassDiagram_javaMiniProject_01_김기영.pptx
+++ b/Usecase, ClassDiagram_javaMiniProject_01_김기영.pptx
@@ -5,14 +5,16 @@
     <p:sldMasterId id="2147483660" r:id="rId1"/>
   </p:sldMasterIdLst>
   <p:notesMasterIdLst>
-    <p:notesMasterId r:id="rId7"/>
+    <p:notesMasterId r:id="rId9"/>
   </p:notesMasterIdLst>
   <p:sldIdLst>
     <p:sldId id="399" r:id="rId2"/>
     <p:sldId id="271" r:id="rId3"/>
     <p:sldId id="576" r:id="rId4"/>
     <p:sldId id="590" r:id="rId5"/>
-    <p:sldId id="589" r:id="rId6"/>
+    <p:sldId id="592" r:id="rId6"/>
+    <p:sldId id="593" r:id="rId7"/>
+    <p:sldId id="589" r:id="rId8"/>
   </p:sldIdLst>
   <p:sldSz cx="9144000" cy="6858000" type="screen4x3"/>
   <p:notesSz cx="6858000" cy="9144000"/>
@@ -252,7 +254,7 @@
           <a:p>
             <a:fld id="{B5621E17-88F8-4B03-8243-017157A96FA5}" type="datetimeFigureOut">
               <a:rPr lang="ko-KR" altLang="en-US" smtClean="0"/>
-              <a:t>2021-06-08</a:t>
+              <a:t>2021-06-09</a:t>
             </a:fld>
             <a:endParaRPr lang="ko-KR" altLang="en-US" dirty="0"/>
           </a:p>
@@ -742,7 +744,7 @@
           <a:p>
             <a:fld id="{3DC388C6-45D0-4088-9A1E-78BA8D5EE060}" type="datetimeFigureOut">
               <a:rPr lang="ko-KR" altLang="en-US" smtClean="0"/>
-              <a:t>2021-06-08</a:t>
+              <a:t>2021-06-09</a:t>
             </a:fld>
             <a:endParaRPr lang="ko-KR" altLang="en-US" dirty="0"/>
           </a:p>
@@ -919,7 +921,7 @@
           <a:p>
             <a:fld id="{3DC388C6-45D0-4088-9A1E-78BA8D5EE060}" type="datetimeFigureOut">
               <a:rPr lang="ko-KR" altLang="en-US" smtClean="0"/>
-              <a:t>2021-06-08</a:t>
+              <a:t>2021-06-09</a:t>
             </a:fld>
             <a:endParaRPr lang="ko-KR" altLang="en-US" dirty="0"/>
           </a:p>
@@ -1224,7 +1226,7 @@
           <a:p>
             <a:fld id="{3DC388C6-45D0-4088-9A1E-78BA8D5EE060}" type="datetimeFigureOut">
               <a:rPr lang="ko-KR" altLang="en-US" smtClean="0"/>
-              <a:t>2021-06-08</a:t>
+              <a:t>2021-06-09</a:t>
             </a:fld>
             <a:endParaRPr lang="ko-KR" altLang="en-US" dirty="0"/>
           </a:p>
@@ -1498,7 +1500,7 @@
           <a:p>
             <a:fld id="{3DC388C6-45D0-4088-9A1E-78BA8D5EE060}" type="datetimeFigureOut">
               <a:rPr lang="ko-KR" altLang="en-US" smtClean="0"/>
-              <a:t>2021-06-08</a:t>
+              <a:t>2021-06-09</a:t>
             </a:fld>
             <a:endParaRPr lang="ko-KR" altLang="en-US" dirty="0"/>
           </a:p>
@@ -2582,10 +2584,6 @@
               </a:rPr>
               <a:t> diagram</a:t>
             </a:r>
-            <a:endParaRPr lang="en-US" altLang="ko-KR" sz="3200" b="1" dirty="0" smtClean="0">
-              <a:latin typeface="Times New Roman" panose="02020603050405020304" pitchFamily="18" charset="0"/>
-              <a:cs typeface="Times New Roman" panose="02020603050405020304" pitchFamily="18" charset="0"/>
-            </a:endParaRPr>
           </a:p>
           <a:p>
             <a:pPr marL="457200" indent="-457200">
@@ -2602,10 +2600,6 @@
               </a:rPr>
               <a:t>Class diagram</a:t>
             </a:r>
-            <a:endParaRPr lang="en-US" altLang="ko-KR" sz="3200" b="1" dirty="0" smtClean="0">
-              <a:latin typeface="Times New Roman" panose="02020603050405020304" pitchFamily="18" charset="0"/>
-              <a:cs typeface="Times New Roman" panose="02020603050405020304" pitchFamily="18" charset="0"/>
-            </a:endParaRPr>
           </a:p>
         </p:txBody>
       </p:sp>
@@ -2886,7 +2880,7 @@
       </p:sp>
       <p:pic>
         <p:nvPicPr>
-          <p:cNvPr id="3" name="그림 2"/>
+          <p:cNvPr id="2" name="그림 1"/>
           <p:cNvPicPr>
             <a:picLocks noChangeAspect="1"/>
           </p:cNvPicPr>
@@ -2906,8 +2900,8 @@
         </p:blipFill>
         <p:spPr>
           <a:xfrm>
-            <a:off x="2079978" y="715765"/>
-            <a:ext cx="4984043" cy="5779925"/>
+            <a:off x="2484239" y="953588"/>
+            <a:ext cx="4175521" cy="5277394"/>
           </a:xfrm>
           <a:prstGeom prst="rect">
             <a:avLst/>
@@ -2935,6 +2929,258 @@
 </file>
 
 <file path=ppt/slides/slide5.xml><?xml version="1.0" encoding="utf-8"?>
+<p:sld xmlns:a="http://schemas.openxmlformats.org/drawingml/2006/main" xmlns:r="http://schemas.openxmlformats.org/officeDocument/2006/relationships" xmlns:p="http://schemas.openxmlformats.org/presentationml/2006/main">
+  <p:cSld>
+    <p:spTree>
+      <p:nvGrpSpPr>
+        <p:cNvPr id="1" name=""/>
+        <p:cNvGrpSpPr/>
+        <p:nvPr/>
+      </p:nvGrpSpPr>
+      <p:grpSpPr>
+        <a:xfrm>
+          <a:off x="0" y="0"/>
+          <a:ext cx="0" cy="0"/>
+          <a:chOff x="0" y="0"/>
+          <a:chExt cx="0" cy="0"/>
+        </a:xfrm>
+      </p:grpSpPr>
+      <p:sp>
+        <p:nvSpPr>
+          <p:cNvPr id="7" name="직사각형 6"/>
+          <p:cNvSpPr/>
+          <p:nvPr/>
+        </p:nvSpPr>
+        <p:spPr>
+          <a:xfrm>
+            <a:off x="0" y="-1"/>
+            <a:ext cx="9144000" cy="612000"/>
+          </a:xfrm>
+          <a:prstGeom prst="rect">
+            <a:avLst/>
+          </a:prstGeom>
+          <a:noFill/>
+          <a:ln>
+            <a:noFill/>
+          </a:ln>
+        </p:spPr>
+        <p:style>
+          <a:lnRef idx="2">
+            <a:schemeClr val="accent1">
+              <a:shade val="50000"/>
+            </a:schemeClr>
+          </a:lnRef>
+          <a:fillRef idx="1">
+            <a:schemeClr val="accent1"/>
+          </a:fillRef>
+          <a:effectRef idx="0">
+            <a:schemeClr val="accent1"/>
+          </a:effectRef>
+          <a:fontRef idx="minor">
+            <a:schemeClr val="lt1"/>
+          </a:fontRef>
+        </p:style>
+        <p:txBody>
+          <a:bodyPr rtlCol="0" anchor="ctr"/>
+          <a:lstStyle/>
+          <a:p>
+            <a:r>
+              <a:rPr lang="en-US" altLang="ko-KR" sz="2800" dirty="0" smtClean="0">
+                <a:solidFill>
+                  <a:schemeClr val="tx1"/>
+                </a:solidFill>
+                <a:latin typeface="Times New Roman" panose="02020603050405020304" pitchFamily="18" charset="0"/>
+                <a:cs typeface="Times New Roman" panose="02020603050405020304" pitchFamily="18" charset="0"/>
+              </a:rPr>
+              <a:t>Class Diagram</a:t>
+            </a:r>
+            <a:endParaRPr lang="en-US" altLang="ko-KR" sz="2800" dirty="0">
+              <a:solidFill>
+                <a:schemeClr val="tx1"/>
+              </a:solidFill>
+              <a:latin typeface="Times New Roman" panose="02020603050405020304" pitchFamily="18" charset="0"/>
+              <a:cs typeface="Times New Roman" panose="02020603050405020304" pitchFamily="18" charset="0"/>
+            </a:endParaRPr>
+          </a:p>
+        </p:txBody>
+      </p:sp>
+      <p:pic>
+        <p:nvPicPr>
+          <p:cNvPr id="3" name="그림 2"/>
+          <p:cNvPicPr>
+            <a:picLocks noChangeAspect="1"/>
+          </p:cNvPicPr>
+          <p:nvPr/>
+        </p:nvPicPr>
+        <p:blipFill>
+          <a:blip r:embed="rId2">
+            <a:extLst>
+              <a:ext uri="{28A0092B-C50C-407E-A947-70E740481C1C}">
+                <a14:useLocalDpi xmlns:a14="http://schemas.microsoft.com/office/drawing/2010/main" val="0"/>
+              </a:ext>
+            </a:extLst>
+          </a:blip>
+          <a:stretch>
+            <a:fillRect/>
+          </a:stretch>
+        </p:blipFill>
+        <p:spPr>
+          <a:xfrm>
+            <a:off x="0" y="1301129"/>
+            <a:ext cx="9144000" cy="4255741"/>
+          </a:xfrm>
+          <a:prstGeom prst="rect">
+            <a:avLst/>
+          </a:prstGeom>
+        </p:spPr>
+      </p:pic>
+    </p:spTree>
+    <p:extLst>
+      <p:ext uri="{BB962C8B-B14F-4D97-AF65-F5344CB8AC3E}">
+        <p14:creationId xmlns:p14="http://schemas.microsoft.com/office/powerpoint/2010/main" val="2121327703"/>
+      </p:ext>
+    </p:extLst>
+  </p:cSld>
+  <p:clrMapOvr>
+    <a:masterClrMapping/>
+  </p:clrMapOvr>
+  <p:timing>
+    <p:tnLst>
+      <p:par>
+        <p:cTn id="1" dur="indefinite" restart="never" nodeType="tmRoot"/>
+      </p:par>
+    </p:tnLst>
+  </p:timing>
+</p:sld>
+</file>
+
+<file path=ppt/slides/slide6.xml><?xml version="1.0" encoding="utf-8"?>
+<p:sld xmlns:a="http://schemas.openxmlformats.org/drawingml/2006/main" xmlns:r="http://schemas.openxmlformats.org/officeDocument/2006/relationships" xmlns:p="http://schemas.openxmlformats.org/presentationml/2006/main">
+  <p:cSld>
+    <p:spTree>
+      <p:nvGrpSpPr>
+        <p:cNvPr id="1" name=""/>
+        <p:cNvGrpSpPr/>
+        <p:nvPr/>
+      </p:nvGrpSpPr>
+      <p:grpSpPr>
+        <a:xfrm>
+          <a:off x="0" y="0"/>
+          <a:ext cx="0" cy="0"/>
+          <a:chOff x="0" y="0"/>
+          <a:chExt cx="0" cy="0"/>
+        </a:xfrm>
+      </p:grpSpPr>
+      <p:sp>
+        <p:nvSpPr>
+          <p:cNvPr id="7" name="직사각형 6"/>
+          <p:cNvSpPr/>
+          <p:nvPr/>
+        </p:nvSpPr>
+        <p:spPr>
+          <a:xfrm>
+            <a:off x="0" y="-1"/>
+            <a:ext cx="9144000" cy="612000"/>
+          </a:xfrm>
+          <a:prstGeom prst="rect">
+            <a:avLst/>
+          </a:prstGeom>
+          <a:noFill/>
+          <a:ln>
+            <a:noFill/>
+          </a:ln>
+        </p:spPr>
+        <p:style>
+          <a:lnRef idx="2">
+            <a:schemeClr val="accent1">
+              <a:shade val="50000"/>
+            </a:schemeClr>
+          </a:lnRef>
+          <a:fillRef idx="1">
+            <a:schemeClr val="accent1"/>
+          </a:fillRef>
+          <a:effectRef idx="0">
+            <a:schemeClr val="accent1"/>
+          </a:effectRef>
+          <a:fontRef idx="minor">
+            <a:schemeClr val="lt1"/>
+          </a:fontRef>
+        </p:style>
+        <p:txBody>
+          <a:bodyPr rtlCol="0" anchor="ctr"/>
+          <a:lstStyle/>
+          <a:p>
+            <a:r>
+              <a:rPr lang="en-US" altLang="ko-KR" sz="2800" dirty="0" smtClean="0">
+                <a:solidFill>
+                  <a:schemeClr val="tx1"/>
+                </a:solidFill>
+                <a:latin typeface="Times New Roman" panose="02020603050405020304" pitchFamily="18" charset="0"/>
+                <a:cs typeface="Times New Roman" panose="02020603050405020304" pitchFamily="18" charset="0"/>
+              </a:rPr>
+              <a:t>Class Diagram</a:t>
+            </a:r>
+            <a:endParaRPr lang="en-US" altLang="ko-KR" sz="2800" dirty="0">
+              <a:solidFill>
+                <a:schemeClr val="tx1"/>
+              </a:solidFill>
+              <a:latin typeface="Times New Roman" panose="02020603050405020304" pitchFamily="18" charset="0"/>
+              <a:cs typeface="Times New Roman" panose="02020603050405020304" pitchFamily="18" charset="0"/>
+            </a:endParaRPr>
+          </a:p>
+        </p:txBody>
+      </p:sp>
+      <p:pic>
+        <p:nvPicPr>
+          <p:cNvPr id="2" name="그림 1"/>
+          <p:cNvPicPr>
+            <a:picLocks noChangeAspect="1"/>
+          </p:cNvPicPr>
+          <p:nvPr/>
+        </p:nvPicPr>
+        <p:blipFill>
+          <a:blip r:embed="rId2">
+            <a:extLst>
+              <a:ext uri="{28A0092B-C50C-407E-A947-70E740481C1C}">
+                <a14:useLocalDpi xmlns:a14="http://schemas.microsoft.com/office/drawing/2010/main" val="0"/>
+              </a:ext>
+            </a:extLst>
+          </a:blip>
+          <a:stretch>
+            <a:fillRect/>
+          </a:stretch>
+        </p:blipFill>
+        <p:spPr>
+          <a:xfrm>
+            <a:off x="0" y="699154"/>
+            <a:ext cx="9144000" cy="5459691"/>
+          </a:xfrm>
+          <a:prstGeom prst="rect">
+            <a:avLst/>
+          </a:prstGeom>
+        </p:spPr>
+      </p:pic>
+    </p:spTree>
+    <p:extLst>
+      <p:ext uri="{BB962C8B-B14F-4D97-AF65-F5344CB8AC3E}">
+        <p14:creationId xmlns:p14="http://schemas.microsoft.com/office/powerpoint/2010/main" val="2280971735"/>
+      </p:ext>
+    </p:extLst>
+  </p:cSld>
+  <p:clrMapOvr>
+    <a:masterClrMapping/>
+  </p:clrMapOvr>
+  <p:timing>
+    <p:tnLst>
+      <p:par>
+        <p:cTn id="1" dur="indefinite" restart="never" nodeType="tmRoot"/>
+      </p:par>
+    </p:tnLst>
+  </p:timing>
+</p:sld>
+</file>
+
+<file path=ppt/slides/slide7.xml><?xml version="1.0" encoding="utf-8"?>
 <p:sld xmlns:a="http://schemas.openxmlformats.org/drawingml/2006/main" xmlns:r="http://schemas.openxmlformats.org/officeDocument/2006/relationships" xmlns:p="http://schemas.openxmlformats.org/presentationml/2006/main">
   <p:cSld>
     <p:spTree>
